--- a/4팀- MBTI 유형.pptx
+++ b/4팀- MBTI 유형.pptx
@@ -5278,14 +5278,14 @@
       </p:sp>
       <p:sp>
         <p:nvSpPr>
-          <p:cNvPr id="11" name="직사각형 10"/>
+          <p:cNvPr id="13" name="직사각형 12"/>
           <p:cNvSpPr/>
           <p:nvPr/>
         </p:nvSpPr>
         <p:spPr>
           <a:xfrm>
-            <a:off x="1756350" y="2215474"/>
-            <a:ext cx="3600537" cy="369332"/>
+            <a:off x="3502411" y="2901489"/>
+            <a:ext cx="2067169" cy="338554"/>
           </a:xfrm>
           <a:prstGeom prst="rect">
             <a:avLst/>
@@ -5304,83 +5304,6 @@
           <a:p>
             <a:pPr algn="dist"/>
             <a:r>
-              <a:rPr lang="ko-KR" altLang="en-US" b="1" dirty="0" smtClean="0">
-                <a:solidFill>
-                  <a:schemeClr val="tx2">
-                    <a:lumMod val="50000"/>
-                  </a:schemeClr>
-                </a:solidFill>
-              </a:rPr>
-              <a:t>자신의 </a:t>
-            </a:r>
-            <a:r>
-              <a:rPr lang="en-US" altLang="ko-KR" b="1" dirty="0" smtClean="0">
-                <a:solidFill>
-                  <a:schemeClr val="tx2">
-                    <a:lumMod val="50000"/>
-                  </a:schemeClr>
-                </a:solidFill>
-              </a:rPr>
-              <a:t>MBTI </a:t>
-            </a:r>
-            <a:r>
-              <a:rPr lang="ko-KR" altLang="en-US" b="1" dirty="0" smtClean="0">
-                <a:solidFill>
-                  <a:schemeClr val="tx2">
-                    <a:lumMod val="50000"/>
-                  </a:schemeClr>
-                </a:solidFill>
-              </a:rPr>
-              <a:t>유형을 입력하세요</a:t>
-            </a:r>
-            <a:r>
-              <a:rPr lang="en-US" altLang="ko-KR" b="1" dirty="0" smtClean="0">
-                <a:solidFill>
-                  <a:schemeClr val="tx2">
-                    <a:lumMod val="50000"/>
-                  </a:schemeClr>
-                </a:solidFill>
-              </a:rPr>
-              <a:t>.</a:t>
-            </a:r>
-            <a:endParaRPr lang="ko-KR" altLang="en-US" b="1" dirty="0">
-              <a:solidFill>
-                <a:schemeClr val="tx2">
-                  <a:lumMod val="50000"/>
-                </a:schemeClr>
-              </a:solidFill>
-            </a:endParaRPr>
-          </a:p>
-        </p:txBody>
-      </p:sp>
-      <p:sp>
-        <p:nvSpPr>
-          <p:cNvPr id="13" name="직사각형 12"/>
-          <p:cNvSpPr/>
-          <p:nvPr/>
-        </p:nvSpPr>
-        <p:spPr>
-          <a:xfrm>
-            <a:off x="3502411" y="2901489"/>
-            <a:ext cx="2067169" cy="338554"/>
-          </a:xfrm>
-          <a:prstGeom prst="rect">
-            <a:avLst/>
-          </a:prstGeom>
-          <a:solidFill>
-            <a:schemeClr val="bg2">
-              <a:lumMod val="75000"/>
-            </a:schemeClr>
-          </a:solidFill>
-        </p:spPr>
-        <p:txBody>
-          <a:bodyPr wrap="none">
-            <a:spAutoFit/>
-          </a:bodyPr>
-          <a:lstStyle/>
-          <a:p>
-            <a:pPr algn="dist"/>
-            <a:r>
               <a:rPr lang="en-US" altLang="ko-KR" sz="1600" b="1" dirty="0" smtClean="0">
                 <a:solidFill>
                   <a:schemeClr val="tx2">
@@ -5431,7 +5354,7 @@
         </p:nvSpPr>
         <p:spPr>
           <a:xfrm>
-            <a:off x="5508104" y="2215474"/>
+            <a:off x="3815915" y="2215474"/>
             <a:ext cx="1440160" cy="369332"/>
           </a:xfrm>
           <a:prstGeom prst="rect">
@@ -5462,7 +5385,19 @@
           <a:lstStyle/>
           <a:p>
             <a:pPr algn="ctr"/>
-            <a:endParaRPr lang="ko-KR" altLang="en-US"/>
+            <a:r>
+              <a:rPr lang="en-US" altLang="ko-KR" sz="2400" b="1" dirty="0" smtClean="0">
+                <a:solidFill>
+                  <a:schemeClr val="tx1"/>
+                </a:solidFill>
+              </a:rPr>
+              <a:t>INFJ</a:t>
+            </a:r>
+            <a:endParaRPr lang="ko-KR" altLang="en-US" sz="2400" b="1" dirty="0">
+              <a:solidFill>
+                <a:schemeClr val="tx1"/>
+              </a:solidFill>
+            </a:endParaRPr>
           </a:p>
         </p:txBody>
       </p:sp>
@@ -6400,21 +6335,160 @@
       </p:sp>
       <p:sp>
         <p:nvSpPr>
-          <p:cNvPr id="29" name="직사각형 28"/>
+          <p:cNvPr id="30" name="직사각형 29"/>
           <p:cNvSpPr/>
           <p:nvPr/>
         </p:nvSpPr>
         <p:spPr>
           <a:xfrm>
-            <a:off x="4732570" y="1610075"/>
-            <a:ext cx="576064" cy="184666"/>
+            <a:off x="3294762" y="2345544"/>
+            <a:ext cx="1559695" cy="230832"/>
           </a:xfrm>
           <a:prstGeom prst="rect">
             <a:avLst/>
           </a:prstGeom>
           <a:solidFill>
-            <a:schemeClr val="bg1"/>
+            <a:schemeClr val="bg2">
+              <a:lumMod val="75000"/>
+            </a:schemeClr>
           </a:solidFill>
+        </p:spPr>
+        <p:txBody>
+          <a:bodyPr wrap="square">
+            <a:spAutoFit/>
+          </a:bodyPr>
+          <a:lstStyle/>
+          <a:p>
+            <a:pPr algn="dist"/>
+            <a:r>
+              <a:rPr lang="en-US" altLang="ko-KR" sz="900" b="1" dirty="0" smtClean="0">
+                <a:solidFill>
+                  <a:schemeClr val="tx2">
+                    <a:lumMod val="50000"/>
+                  </a:schemeClr>
+                </a:solidFill>
+                <a:hlinkClick r:id="rId5"/>
+              </a:rPr>
+              <a:t>MBTI </a:t>
+            </a:r>
+            <a:r>
+              <a:rPr lang="ko-KR" altLang="en-US" sz="900" b="1" dirty="0" smtClean="0">
+                <a:solidFill>
+                  <a:schemeClr val="tx2">
+                    <a:lumMod val="50000"/>
+                  </a:schemeClr>
+                </a:solidFill>
+                <a:hlinkClick r:id="rId5"/>
+              </a:rPr>
+              <a:t>검사 </a:t>
+            </a:r>
+            <a:r>
+              <a:rPr lang="ko-KR" altLang="en-US" sz="900" b="1" dirty="0" err="1" smtClean="0">
+                <a:solidFill>
+                  <a:schemeClr val="tx2">
+                    <a:lumMod val="50000"/>
+                  </a:schemeClr>
+                </a:solidFill>
+                <a:hlinkClick r:id="rId5"/>
+              </a:rPr>
+              <a:t>바로가기</a:t>
+            </a:r>
+            <a:endParaRPr lang="ko-KR" altLang="en-US" sz="900" b="1" dirty="0">
+              <a:solidFill>
+                <a:schemeClr val="tx2">
+                  <a:lumMod val="50000"/>
+                </a:schemeClr>
+              </a:solidFill>
+            </a:endParaRPr>
+          </a:p>
+        </p:txBody>
+      </p:sp>
+      <p:sp>
+        <p:nvSpPr>
+          <p:cNvPr id="20" name="TextBox 19"/>
+          <p:cNvSpPr txBox="1"/>
+          <p:nvPr/>
+        </p:nvSpPr>
+        <p:spPr>
+          <a:xfrm>
+            <a:off x="3050582" y="2763697"/>
+            <a:ext cx="2113079" cy="523220"/>
+          </a:xfrm>
+          <a:prstGeom prst="rect">
+            <a:avLst/>
+          </a:prstGeom>
+          <a:noFill/>
+        </p:spPr>
+        <p:txBody>
+          <a:bodyPr wrap="none" rtlCol="0">
+            <a:spAutoFit/>
+          </a:bodyPr>
+          <a:lstStyle/>
+          <a:p>
+            <a:r>
+              <a:rPr lang="ko-KR" altLang="en-US" sz="1400" dirty="0" smtClean="0">
+                <a:latin typeface="HY견고딕" pitchFamily="18" charset="-127"/>
+                <a:ea typeface="HY견고딕" pitchFamily="18" charset="-127"/>
+              </a:rPr>
+              <a:t>나와 같이 </a:t>
+            </a:r>
+            <a:r>
+              <a:rPr lang="en-US" altLang="ko-KR" sz="1400" dirty="0" smtClean="0">
+                <a:latin typeface="HY견고딕" pitchFamily="18" charset="-127"/>
+                <a:ea typeface="HY견고딕" pitchFamily="18" charset="-127"/>
+              </a:rPr>
+              <a:t>INFJ </a:t>
+            </a:r>
+            <a:r>
+              <a:rPr lang="ko-KR" altLang="en-US" sz="1400" dirty="0" smtClean="0">
+                <a:latin typeface="HY견고딕" pitchFamily="18" charset="-127"/>
+                <a:ea typeface="HY견고딕" pitchFamily="18" charset="-127"/>
+              </a:rPr>
+              <a:t>유형이 </a:t>
+            </a:r>
+            <a:endParaRPr lang="en-US" altLang="ko-KR" sz="1400" dirty="0" smtClean="0">
+              <a:latin typeface="HY견고딕" pitchFamily="18" charset="-127"/>
+              <a:ea typeface="HY견고딕" pitchFamily="18" charset="-127"/>
+            </a:endParaRPr>
+          </a:p>
+          <a:p>
+            <a:pPr algn="ctr"/>
+            <a:r>
+              <a:rPr lang="ko-KR" altLang="en-US" sz="1400" dirty="0" smtClean="0">
+                <a:latin typeface="HY견고딕" pitchFamily="18" charset="-127"/>
+                <a:ea typeface="HY견고딕" pitchFamily="18" charset="-127"/>
+              </a:rPr>
+              <a:t>좋아하는 숙박 </a:t>
+            </a:r>
+            <a:endParaRPr lang="ko-KR" altLang="en-US" sz="1400" dirty="0">
+              <a:latin typeface="HY견고딕" pitchFamily="18" charset="-127"/>
+              <a:ea typeface="HY견고딕" pitchFamily="18" charset="-127"/>
+            </a:endParaRPr>
+          </a:p>
+        </p:txBody>
+      </p:sp>
+      <p:sp>
+        <p:nvSpPr>
+          <p:cNvPr id="1024" name="직사각형 1023"/>
+          <p:cNvSpPr/>
+          <p:nvPr/>
+        </p:nvSpPr>
+        <p:spPr>
+          <a:xfrm>
+            <a:off x="3656622" y="1879801"/>
+            <a:ext cx="391330" cy="273732"/>
+          </a:xfrm>
+          <a:prstGeom prst="rect">
+            <a:avLst/>
+          </a:prstGeom>
+          <a:solidFill>
+            <a:schemeClr val="bg1">
+              <a:lumMod val="85000"/>
+            </a:schemeClr>
+          </a:solidFill>
+          <a:ln>
+            <a:noFill/>
+          </a:ln>
         </p:spPr>
         <p:style>
           <a:lnRef idx="2">
@@ -6437,153 +6511,34 @@
           <a:lstStyle/>
           <a:p>
             <a:pPr algn="ctr"/>
-            <a:endParaRPr lang="ko-KR" altLang="en-US"/>
-          </a:p>
-        </p:txBody>
-      </p:sp>
-      <p:sp>
-        <p:nvSpPr>
-          <p:cNvPr id="30" name="직사각형 29"/>
+            <a:r>
+              <a:rPr lang="ko-KR" altLang="en-US" sz="800" b="1" dirty="0" smtClean="0">
+                <a:solidFill>
+                  <a:schemeClr val="tx1"/>
+                </a:solidFill>
+              </a:rPr>
+              <a:t>확</a:t>
+            </a:r>
+            <a:r>
+              <a:rPr lang="ko-KR" altLang="en-US" sz="800" b="1" dirty="0">
+                <a:solidFill>
+                  <a:schemeClr val="tx1"/>
+                </a:solidFill>
+              </a:rPr>
+              <a:t>인</a:t>
+            </a:r>
+          </a:p>
+        </p:txBody>
+      </p:sp>
+      <p:sp>
+        <p:nvSpPr>
+          <p:cNvPr id="35" name="직사각형 34"/>
           <p:cNvSpPr/>
           <p:nvPr/>
         </p:nvSpPr>
         <p:spPr>
           <a:xfrm>
-            <a:off x="3294762" y="2345544"/>
-            <a:ext cx="1559695" cy="230832"/>
-          </a:xfrm>
-          <a:prstGeom prst="rect">
-            <a:avLst/>
-          </a:prstGeom>
-          <a:solidFill>
-            <a:schemeClr val="bg2">
-              <a:lumMod val="75000"/>
-            </a:schemeClr>
-          </a:solidFill>
-        </p:spPr>
-        <p:txBody>
-          <a:bodyPr wrap="square">
-            <a:spAutoFit/>
-          </a:bodyPr>
-          <a:lstStyle/>
-          <a:p>
-            <a:pPr algn="dist"/>
-            <a:r>
-              <a:rPr lang="en-US" altLang="ko-KR" sz="900" b="1" dirty="0" smtClean="0">
-                <a:solidFill>
-                  <a:schemeClr val="tx2">
-                    <a:lumMod val="50000"/>
-                  </a:schemeClr>
-                </a:solidFill>
-                <a:hlinkClick r:id="rId5"/>
-              </a:rPr>
-              <a:t>MBTI </a:t>
-            </a:r>
-            <a:r>
-              <a:rPr lang="ko-KR" altLang="en-US" sz="900" b="1" dirty="0" smtClean="0">
-                <a:solidFill>
-                  <a:schemeClr val="tx2">
-                    <a:lumMod val="50000"/>
-                  </a:schemeClr>
-                </a:solidFill>
-                <a:hlinkClick r:id="rId5"/>
-              </a:rPr>
-              <a:t>검사 </a:t>
-            </a:r>
-            <a:r>
-              <a:rPr lang="ko-KR" altLang="en-US" sz="900" b="1" dirty="0" err="1" smtClean="0">
-                <a:solidFill>
-                  <a:schemeClr val="tx2">
-                    <a:lumMod val="50000"/>
-                  </a:schemeClr>
-                </a:solidFill>
-                <a:hlinkClick r:id="rId5"/>
-              </a:rPr>
-              <a:t>바로가기</a:t>
-            </a:r>
-            <a:endParaRPr lang="ko-KR" altLang="en-US" sz="900" b="1" dirty="0">
-              <a:solidFill>
-                <a:schemeClr val="tx2">
-                  <a:lumMod val="50000"/>
-                </a:schemeClr>
-              </a:solidFill>
-            </a:endParaRPr>
-          </a:p>
-        </p:txBody>
-      </p:sp>
-      <p:sp>
-        <p:nvSpPr>
-          <p:cNvPr id="20" name="TextBox 19"/>
-          <p:cNvSpPr txBox="1"/>
-          <p:nvPr/>
-        </p:nvSpPr>
-        <p:spPr>
-          <a:xfrm>
-            <a:off x="3050582" y="2763697"/>
-            <a:ext cx="2157963" cy="523220"/>
-          </a:xfrm>
-          <a:prstGeom prst="rect">
-            <a:avLst/>
-          </a:prstGeom>
-          <a:noFill/>
-        </p:spPr>
-        <p:txBody>
-          <a:bodyPr wrap="none" rtlCol="0">
-            <a:spAutoFit/>
-          </a:bodyPr>
-          <a:lstStyle/>
-          <a:p>
-            <a:r>
-              <a:rPr lang="ko-KR" altLang="en-US" sz="1400" dirty="0" smtClean="0">
-                <a:latin typeface="HY견고딕" pitchFamily="18" charset="-127"/>
-                <a:ea typeface="HY견고딕" pitchFamily="18" charset="-127"/>
-              </a:rPr>
-              <a:t>나와 같이 </a:t>
-            </a:r>
-            <a:r>
-              <a:rPr lang="en-US" altLang="ko-KR" sz="1400" dirty="0" smtClean="0">
-                <a:latin typeface="HY견고딕" pitchFamily="18" charset="-127"/>
-                <a:ea typeface="HY견고딕" pitchFamily="18" charset="-127"/>
-              </a:rPr>
-              <a:t>INFG </a:t>
-            </a:r>
-            <a:r>
-              <a:rPr lang="ko-KR" altLang="en-US" sz="1400" dirty="0" smtClean="0">
-                <a:latin typeface="HY견고딕" pitchFamily="18" charset="-127"/>
-                <a:ea typeface="HY견고딕" pitchFamily="18" charset="-127"/>
-              </a:rPr>
-              <a:t>유형이 </a:t>
-            </a:r>
-            <a:endParaRPr lang="en-US" altLang="ko-KR" sz="1400" dirty="0" smtClean="0">
-              <a:latin typeface="HY견고딕" pitchFamily="18" charset="-127"/>
-              <a:ea typeface="HY견고딕" pitchFamily="18" charset="-127"/>
-            </a:endParaRPr>
-          </a:p>
-          <a:p>
-            <a:pPr algn="ctr"/>
-            <a:r>
-              <a:rPr lang="ko-KR" altLang="en-US" sz="1400" dirty="0" smtClean="0">
-                <a:latin typeface="HY견고딕" pitchFamily="18" charset="-127"/>
-                <a:ea typeface="HY견고딕" pitchFamily="18" charset="-127"/>
-              </a:rPr>
-              <a:t>좋아하는 숙박 </a:t>
-            </a:r>
-            <a:endParaRPr lang="ko-KR" altLang="en-US" sz="1400" dirty="0">
-              <a:latin typeface="HY견고딕" pitchFamily="18" charset="-127"/>
-              <a:ea typeface="HY견고딕" pitchFamily="18" charset="-127"/>
-            </a:endParaRPr>
-          </a:p>
-        </p:txBody>
-      </p:sp>
-      <p:sp>
-        <p:nvSpPr>
-          <p:cNvPr id="1024" name="직사각형 1023"/>
-          <p:cNvSpPr/>
-          <p:nvPr/>
-        </p:nvSpPr>
-        <p:spPr>
-          <a:xfrm>
-            <a:off x="3593591" y="1880758"/>
+            <a:off x="4144666" y="1879801"/>
             <a:ext cx="391330" cy="273732"/>
           </a:xfrm>
           <a:prstGeom prst="rect">
@@ -6625,41 +6580,33 @@
                   <a:schemeClr val="tx1"/>
                 </a:solidFill>
               </a:rPr>
-              <a:t>확</a:t>
-            </a:r>
-            <a:r>
-              <a:rPr lang="ko-KR" altLang="en-US" sz="800" b="1" dirty="0">
-                <a:solidFill>
-                  <a:schemeClr val="tx1"/>
-                </a:solidFill>
-              </a:rPr>
-              <a:t>인</a:t>
-            </a:r>
-          </a:p>
-        </p:txBody>
-      </p:sp>
-      <p:sp>
-        <p:nvSpPr>
-          <p:cNvPr id="35" name="직사각형 34"/>
+              <a:t>취소</a:t>
+            </a:r>
+            <a:endParaRPr lang="ko-KR" altLang="en-US" sz="800" b="1" dirty="0">
+              <a:solidFill>
+                <a:schemeClr val="tx1"/>
+              </a:solidFill>
+            </a:endParaRPr>
+          </a:p>
+        </p:txBody>
+      </p:sp>
+      <p:sp>
+        <p:nvSpPr>
+          <p:cNvPr id="18" name="직사각형 17"/>
           <p:cNvSpPr/>
           <p:nvPr/>
         </p:nvSpPr>
         <p:spPr>
           <a:xfrm>
-            <a:off x="4081635" y="1880758"/>
-            <a:ext cx="391330" cy="273732"/>
+            <a:off x="4686879" y="1587359"/>
+            <a:ext cx="720080" cy="245486"/>
           </a:xfrm>
           <a:prstGeom prst="rect">
             <a:avLst/>
           </a:prstGeom>
           <a:solidFill>
-            <a:schemeClr val="bg1">
-              <a:lumMod val="85000"/>
-            </a:schemeClr>
+            <a:schemeClr val="bg1"/>
           </a:solidFill>
-          <a:ln>
-            <a:noFill/>
-          </a:ln>
         </p:spPr>
         <p:style>
           <a:lnRef idx="2">
@@ -6683,14 +6630,14 @@
           <a:p>
             <a:pPr algn="ctr"/>
             <a:r>
-              <a:rPr lang="ko-KR" altLang="en-US" sz="800" b="1" dirty="0" smtClean="0">
+              <a:rPr lang="en-US" altLang="ko-KR" sz="1400" b="1" dirty="0" smtClean="0">
                 <a:solidFill>
                   <a:schemeClr val="tx1"/>
                 </a:solidFill>
               </a:rPr>
-              <a:t>취소</a:t>
-            </a:r>
-            <a:endParaRPr lang="ko-KR" altLang="en-US" sz="800" b="1" dirty="0">
+              <a:t>INFJ</a:t>
+            </a:r>
+            <a:endParaRPr lang="ko-KR" altLang="en-US" sz="1400" b="1" dirty="0">
               <a:solidFill>
                 <a:schemeClr val="tx1"/>
               </a:solidFill>
@@ -6836,40 +6783,6 @@
           <a:p>
             <a:pPr algn="ctr"/>
             <a:endParaRPr lang="ko-KR" altLang="en-US"/>
-          </a:p>
-        </p:txBody>
-      </p:sp>
-      <p:sp>
-        <p:nvSpPr>
-          <p:cNvPr id="4" name="TextBox 3"/>
-          <p:cNvSpPr txBox="1"/>
-          <p:nvPr/>
-        </p:nvSpPr>
-        <p:spPr>
-          <a:xfrm>
-            <a:off x="5364088" y="271681"/>
-            <a:ext cx="3600400" cy="276999"/>
-          </a:xfrm>
-          <a:prstGeom prst="rect">
-            <a:avLst/>
-          </a:prstGeom>
-          <a:noFill/>
-        </p:spPr>
-        <p:txBody>
-          <a:bodyPr wrap="square" rtlCol="0">
-            <a:spAutoFit/>
-          </a:bodyPr>
-          <a:lstStyle/>
-          <a:p>
-            <a:pPr algn="dist"/>
-            <a:r>
-              <a:rPr lang="ko-KR" altLang="en-US" sz="1200" dirty="0" smtClean="0">
-                <a:solidFill>
-                  <a:schemeClr val="bg1"/>
-                </a:solidFill>
-              </a:rPr>
-              <a:t>과목이름이나 영문타이틀</a:t>
-            </a:r>
           </a:p>
         </p:txBody>
       </p:sp>
